--- a/Presentation, Documentations and Test cases/The_Infernos_Presentation.pptx
+++ b/Presentation, Documentations and Test cases/The_Infernos_Presentation.pptx
@@ -6538,7 +6538,7 @@
         </p:blipFill>
         <p:spPr bwMode="auto">
           <a:xfrm>
-            <a:off x="2630617" y="2492440"/>
+            <a:off x="2661786" y="2984121"/>
             <a:ext cx="1363152" cy="1363152"/>
           </a:xfrm>
           <a:prstGeom prst="rect">
@@ -6578,7 +6578,7 @@
         </p:blipFill>
         <p:spPr>
           <a:xfrm>
-            <a:off x="4785101" y="2984121"/>
+            <a:off x="6656323" y="2869901"/>
             <a:ext cx="1884231" cy="1884231"/>
           </a:xfrm>
           <a:prstGeom prst="rect">
@@ -6638,7 +6638,7 @@
         </p:blipFill>
         <p:spPr>
           <a:xfrm>
-            <a:off x="4300886" y="1522102"/>
+            <a:off x="5119063" y="2786391"/>
             <a:ext cx="1363152" cy="1363152"/>
           </a:xfrm>
           <a:prstGeom prst="rect">
@@ -6698,7 +6698,37 @@
         </p:blipFill>
         <p:spPr>
           <a:xfrm>
-            <a:off x="6278273" y="1890174"/>
+            <a:off x="6814538" y="1423239"/>
+            <a:ext cx="1465605" cy="1363152"/>
+          </a:xfrm>
+          <a:prstGeom prst="rect">
+            <a:avLst/>
+          </a:prstGeom>
+        </p:spPr>
+      </p:pic>
+      <p:pic>
+        <p:nvPicPr>
+          <p:cNvPr id="6" name="Picture 5" descr="Icon&#10;&#10;Description automatically generated">
+            <a:extLst>
+              <a:ext uri="{FF2B5EF4-FFF2-40B4-BE49-F238E27FC236}">
+                <a16:creationId xmlns:a16="http://schemas.microsoft.com/office/drawing/2014/main" id="{A17B7317-4F7B-4220-8592-3B1C2AD59405}"/>
+              </a:ext>
+            </a:extLst>
+          </p:cNvPr>
+          <p:cNvPicPr>
+            <a:picLocks noChangeAspect="1"/>
+          </p:cNvPicPr>
+          <p:nvPr/>
+        </p:nvPicPr>
+        <p:blipFill>
+          <a:blip r:embed="rId8"/>
+          <a:stretch>
+            <a:fillRect/>
+          </a:stretch>
+        </p:blipFill>
+        <p:spPr>
+          <a:xfrm>
+            <a:off x="3653458" y="1477803"/>
             <a:ext cx="1465605" cy="1363152"/>
           </a:xfrm>
           <a:prstGeom prst="rect">

--- a/Presentation, Documentations and Test cases/The_Infernos_Presentation.pptx
+++ b/Presentation, Documentations and Test cases/The_Infernos_Presentation.pptx
@@ -4836,7 +4836,7 @@
           <p:nvPr/>
         </p:nvPicPr>
         <p:blipFill>
-          <a:blip r:embed="rId3"/>
+          <a:blip r:embed="rId5"/>
           <a:stretch>
             <a:fillRect/>
           </a:stretch>
@@ -4863,11 +4863,133 @@
           </a:effectLst>
         </p:spPr>
       </p:pic>
+      <p:pic>
+        <p:nvPicPr>
+          <p:cNvPr id="3" name="Recording (2)">
+            <a:hlinkClick r:id="" action="ppaction://media"/>
+            <a:extLst>
+              <a:ext uri="{FF2B5EF4-FFF2-40B4-BE49-F238E27FC236}">
+                <a16:creationId xmlns:a16="http://schemas.microsoft.com/office/drawing/2014/main" id="{39B15DB5-7C06-4575-AF00-F278B1E4ECED}"/>
+              </a:ext>
+            </a:extLst>
+          </p:cNvPr>
+          <p:cNvPicPr>
+            <a:picLocks noChangeAspect="1"/>
+          </p:cNvPicPr>
+          <p:nvPr>
+            <a:audioFile r:link="rId2"/>
+            <p:extLst>
+              <p:ext uri="{DAA4B4D4-6D71-4841-9C94-3DE7FCFB9230}">
+                <p14:media xmlns:p14="http://schemas.microsoft.com/office/powerpoint/2010/main" r:embed="rId1"/>
+              </p:ext>
+            </p:extLst>
+          </p:nvPr>
+        </p:nvPicPr>
+        <p:blipFill>
+          <a:blip r:embed="rId6"/>
+          <a:stretch>
+            <a:fillRect/>
+          </a:stretch>
+        </p:blipFill>
+        <p:spPr>
+          <a:xfrm>
+            <a:off x="7986677" y="4226379"/>
+            <a:ext cx="609600" cy="609600"/>
+          </a:xfrm>
+          <a:prstGeom prst="rect">
+            <a:avLst/>
+          </a:prstGeom>
+        </p:spPr>
+      </p:pic>
     </p:spTree>
   </p:cSld>
   <p:clrMapOvr>
     <a:masterClrMapping/>
   </p:clrMapOvr>
+  <p:timing>
+    <p:tnLst>
+      <p:par>
+        <p:cTn id="1" dur="indefinite" restart="never" nodeType="tmRoot">
+          <p:childTnLst>
+            <p:seq concurrent="1" nextAc="seek">
+              <p:cTn id="2" dur="indefinite" nodeType="mainSeq">
+                <p:childTnLst>
+                  <p:par>
+                    <p:cTn id="3" fill="hold">
+                      <p:stCondLst>
+                        <p:cond delay="indefinite"/>
+                      </p:stCondLst>
+                      <p:childTnLst>
+                        <p:par>
+                          <p:cTn id="4" fill="hold">
+                            <p:stCondLst>
+                              <p:cond delay="0"/>
+                            </p:stCondLst>
+                            <p:childTnLst>
+                              <p:par>
+                                <p:cTn id="5" presetID="1" presetClass="mediacall" presetSubtype="0" fill="hold" nodeType="clickEffect">
+                                  <p:stCondLst>
+                                    <p:cond delay="0"/>
+                                  </p:stCondLst>
+                                  <p:childTnLst>
+                                    <p:cmd type="call" cmd="playFrom(0.0)">
+                                      <p:cBhvr>
+                                        <p:cTn id="6" dur="5878" fill="hold"/>
+                                        <p:tgtEl>
+                                          <p:spTgt spid="3"/>
+                                        </p:tgtEl>
+                                      </p:cBhvr>
+                                    </p:cmd>
+                                  </p:childTnLst>
+                                </p:cTn>
+                              </p:par>
+                            </p:childTnLst>
+                          </p:cTn>
+                        </p:par>
+                      </p:childTnLst>
+                    </p:cTn>
+                  </p:par>
+                </p:childTnLst>
+              </p:cTn>
+              <p:prevCondLst>
+                <p:cond evt="onPrev" delay="0">
+                  <p:tgtEl>
+                    <p:sldTgt/>
+                  </p:tgtEl>
+                </p:cond>
+              </p:prevCondLst>
+              <p:nextCondLst>
+                <p:cond evt="onNext" delay="0">
+                  <p:tgtEl>
+                    <p:sldTgt/>
+                  </p:tgtEl>
+                </p:cond>
+              </p:nextCondLst>
+            </p:seq>
+            <p:audio>
+              <p:cMediaNode vol="80000">
+                <p:cTn id="7" fill="hold" display="0">
+                  <p:stCondLst>
+                    <p:cond delay="indefinite"/>
+                  </p:stCondLst>
+                  <p:endCondLst>
+                    <p:cond evt="onStopAudio" delay="0">
+                      <p:tgtEl>
+                        <p:sldTgt/>
+                      </p:tgtEl>
+                    </p:cond>
+                  </p:endCondLst>
+                </p:cTn>
+                <p:tgtEl>
+                  <p:spTgt spid="3"/>
+                </p:tgtEl>
+              </p:cMediaNode>
+            </p:audio>
+          </p:childTnLst>
+        </p:cTn>
+      </p:par>
+    </p:tnLst>
+  </p:timing>
 </p:sld>
 </file>
 
@@ -4952,8 +5074,8 @@
         </p:nvSpPr>
         <p:spPr>
           <a:xfrm>
-            <a:off x="1606654" y="3568979"/>
-            <a:ext cx="1041156" cy="584775"/>
+            <a:off x="1221643" y="1574522"/>
+            <a:ext cx="1411554" cy="707886"/>
           </a:xfrm>
           <a:prstGeom prst="rect">
             <a:avLst/>
@@ -4968,7 +5090,7 @@
           <a:p>
             <a:pPr algn="ctr"/>
             <a:r>
-              <a:rPr lang="en-US" sz="1600" b="1" dirty="0">
+              <a:rPr lang="en-US" sz="2000" b="1" dirty="0">
                 <a:latin typeface="Big Shoulders Text SemiBold" panose="020B0604020202020204" charset="0"/>
               </a:rPr>
               <a:t>Georgi </a:t>
@@ -4977,12 +5099,12 @@
           <a:p>
             <a:pPr algn="ctr"/>
             <a:r>
-              <a:rPr lang="en-US" sz="1600" b="1" dirty="0" err="1">
+              <a:rPr lang="en-US" sz="2000" b="1" dirty="0" err="1">
                 <a:latin typeface="Big Shoulders Text SemiBold" panose="020B0604020202020204" charset="0"/>
               </a:rPr>
               <a:t>Trendafilov</a:t>
             </a:r>
-            <a:endParaRPr lang="en-US" sz="1600" b="1" dirty="0">
+            <a:endParaRPr lang="en-US" sz="2000" b="1" dirty="0">
               <a:latin typeface="Big Shoulders Text SemiBold" panose="020B0604020202020204" charset="0"/>
             </a:endParaRPr>
           </a:p>
@@ -5002,8 +5124,8 @@
         </p:nvSpPr>
         <p:spPr>
           <a:xfrm>
-            <a:off x="3219058" y="3568979"/>
-            <a:ext cx="1041156" cy="584775"/>
+            <a:off x="3271383" y="1574626"/>
+            <a:ext cx="1041156" cy="707886"/>
           </a:xfrm>
           <a:prstGeom prst="rect">
             <a:avLst/>
@@ -5018,7 +5140,7 @@
           <a:p>
             <a:pPr algn="ctr"/>
             <a:r>
-              <a:rPr lang="en-US" sz="1600" b="1" dirty="0">
+              <a:rPr lang="en-US" sz="2000" b="1" dirty="0">
                 <a:latin typeface="Big Shoulders Text SemiBold" panose="020B0604020202020204" charset="0"/>
               </a:rPr>
               <a:t>Georgi </a:t>
@@ -5027,12 +5149,12 @@
           <a:p>
             <a:pPr algn="ctr"/>
             <a:r>
-              <a:rPr lang="en-US" sz="1600" b="1" dirty="0" err="1">
+              <a:rPr lang="en-US" sz="2000" b="1" dirty="0" err="1">
                 <a:latin typeface="Big Shoulders Text SemiBold" panose="020B0604020202020204" charset="0"/>
               </a:rPr>
               <a:t>Vasilev</a:t>
             </a:r>
-            <a:endParaRPr lang="en-US" sz="1600" b="1" dirty="0">
+            <a:endParaRPr lang="en-US" sz="2000" b="1" dirty="0">
               <a:latin typeface="Big Shoulders Text SemiBold" panose="020B0604020202020204" charset="0"/>
             </a:endParaRPr>
           </a:p>
@@ -5052,8 +5174,8 @@
         </p:nvSpPr>
         <p:spPr>
           <a:xfrm>
-            <a:off x="4831462" y="3568979"/>
-            <a:ext cx="1041156" cy="584775"/>
+            <a:off x="4895508" y="1574522"/>
+            <a:ext cx="1041156" cy="707886"/>
           </a:xfrm>
           <a:prstGeom prst="rect">
             <a:avLst/>
@@ -5068,13 +5190,13 @@
           <a:p>
             <a:pPr algn="ctr"/>
             <a:r>
-              <a:rPr lang="en-US" sz="1600" b="1" dirty="0" err="1">
+              <a:rPr lang="en-US" sz="2000" b="1" dirty="0" err="1">
                 <a:latin typeface="Big Shoulders Text SemiBold" panose="020B0604020202020204" charset="0"/>
               </a:rPr>
               <a:t>Stanimir</a:t>
             </a:r>
             <a:r>
-              <a:rPr lang="en-US" sz="1600" b="1" dirty="0">
+              <a:rPr lang="en-US" sz="2000" b="1" dirty="0">
                 <a:latin typeface="Big Shoulders Text SemiBold" panose="020B0604020202020204" charset="0"/>
               </a:rPr>
               <a:t> </a:t>
@@ -5083,7 +5205,7 @@
           <a:p>
             <a:pPr algn="ctr"/>
             <a:r>
-              <a:rPr lang="en-US" sz="1600" b="1" dirty="0">
+              <a:rPr lang="en-US" sz="2000" b="1" dirty="0">
                 <a:latin typeface="Big Shoulders Text SemiBold" panose="020B0604020202020204" charset="0"/>
               </a:rPr>
               <a:t>Dimitrov</a:t>
@@ -5105,8 +5227,8 @@
         </p:nvSpPr>
         <p:spPr>
           <a:xfrm>
-            <a:off x="6443866" y="3568979"/>
-            <a:ext cx="1041156" cy="584775"/>
+            <a:off x="6574850" y="1574522"/>
+            <a:ext cx="1304471" cy="707886"/>
           </a:xfrm>
           <a:prstGeom prst="rect">
             <a:avLst/>
@@ -5121,7 +5243,7 @@
           <a:p>
             <a:pPr algn="ctr"/>
             <a:r>
-              <a:rPr lang="en-US" sz="1600" b="1" dirty="0">
+              <a:rPr lang="en-US" sz="2000" b="1" dirty="0">
                 <a:latin typeface="Big Shoulders Text SemiBold" panose="020B0604020202020204" charset="0"/>
               </a:rPr>
               <a:t>Boris </a:t>
@@ -5130,12 +5252,12 @@
           <a:p>
             <a:pPr algn="ctr"/>
             <a:r>
-              <a:rPr lang="en-US" sz="1600" b="1" dirty="0" err="1">
+              <a:rPr lang="en-US" sz="2000" b="1" dirty="0" err="1">
                 <a:latin typeface="Big Shoulders Text SemiBold" panose="020B0604020202020204" charset="0"/>
               </a:rPr>
               <a:t>Simeonov</a:t>
             </a:r>
-            <a:endParaRPr lang="en-US" sz="1600" b="1" dirty="0">
+            <a:endParaRPr lang="en-US" sz="2000" b="1" dirty="0">
               <a:latin typeface="Big Shoulders Text SemiBold" panose="020B0604020202020204" charset="0"/>
             </a:endParaRPr>
           </a:p>
@@ -5155,8 +5277,8 @@
         </p:nvSpPr>
         <p:spPr>
           <a:xfrm>
-            <a:off x="1606654" y="4153753"/>
-            <a:ext cx="1041156" cy="246221"/>
+            <a:off x="1166426" y="2233196"/>
+            <a:ext cx="1521988" cy="338554"/>
           </a:xfrm>
           <a:prstGeom prst="rect">
             <a:avLst/>
@@ -5170,7 +5292,7 @@
           <a:lstStyle/>
           <a:p>
             <a:r>
-              <a:rPr lang="en-US" sz="1000" i="1" dirty="0"/>
+              <a:rPr lang="en-US" sz="1600" i="1" dirty="0"/>
               <a:t>Scrum Trainer</a:t>
             </a:r>
           </a:p>
@@ -5190,8 +5312,8 @@
         </p:nvSpPr>
         <p:spPr>
           <a:xfrm>
-            <a:off x="3271383" y="4153752"/>
-            <a:ext cx="1041156" cy="246221"/>
+            <a:off x="3052275" y="2234336"/>
+            <a:ext cx="1479372" cy="338554"/>
           </a:xfrm>
           <a:prstGeom prst="rect">
             <a:avLst/>
@@ -5205,7 +5327,7 @@
           <a:lstStyle/>
           <a:p>
             <a:r>
-              <a:rPr lang="en-US" sz="1000" i="1" dirty="0"/>
+              <a:rPr lang="en-US" sz="1600" i="1" dirty="0"/>
               <a:t>QA Engineer</a:t>
             </a:r>
           </a:p>
@@ -5225,8 +5347,8 @@
         </p:nvSpPr>
         <p:spPr>
           <a:xfrm>
-            <a:off x="4831462" y="4076808"/>
-            <a:ext cx="1041156" cy="400110"/>
+            <a:off x="4806734" y="2233196"/>
+            <a:ext cx="1218703" cy="584775"/>
           </a:xfrm>
           <a:prstGeom prst="rect">
             <a:avLst/>
@@ -5241,7 +5363,7 @@
           <a:p>
             <a:pPr algn="ctr"/>
             <a:r>
-              <a:rPr lang="en-US" sz="1000" i="1" dirty="0"/>
+              <a:rPr lang="en-US" sz="1600" i="1" dirty="0"/>
               <a:t>Front-end Developer</a:t>
             </a:r>
           </a:p>
@@ -5261,8 +5383,8 @@
         </p:nvSpPr>
         <p:spPr>
           <a:xfrm>
-            <a:off x="6443866" y="4076808"/>
-            <a:ext cx="1041156" cy="400110"/>
+            <a:off x="6608406" y="2282408"/>
+            <a:ext cx="1228844" cy="584775"/>
           </a:xfrm>
           <a:prstGeom prst="rect">
             <a:avLst/>
@@ -5277,17 +5399,139 @@
           <a:p>
             <a:pPr algn="ctr"/>
             <a:r>
-              <a:rPr lang="en-US" sz="1000" i="1" dirty="0"/>
+              <a:rPr lang="en-US" sz="1600" i="1" dirty="0"/>
               <a:t>Back-end Developer</a:t>
             </a:r>
           </a:p>
         </p:txBody>
       </p:sp>
+      <p:pic>
+        <p:nvPicPr>
+          <p:cNvPr id="11" name="Recording (3)">
+            <a:hlinkClick r:id="" action="ppaction://media"/>
+            <a:extLst>
+              <a:ext uri="{FF2B5EF4-FFF2-40B4-BE49-F238E27FC236}">
+                <a16:creationId xmlns:a16="http://schemas.microsoft.com/office/drawing/2014/main" id="{A8C0BD0A-DAB2-497C-9E00-14C0625B6439}"/>
+              </a:ext>
+            </a:extLst>
+          </p:cNvPr>
+          <p:cNvPicPr>
+            <a:picLocks noChangeAspect="1"/>
+          </p:cNvPicPr>
+          <p:nvPr>
+            <a:audioFile r:link="rId2"/>
+            <p:extLst>
+              <p:ext uri="{DAA4B4D4-6D71-4841-9C94-3DE7FCFB9230}">
+                <p14:media xmlns:p14="http://schemas.microsoft.com/office/powerpoint/2010/main" r:embed="rId1"/>
+              </p:ext>
+            </p:extLst>
+          </p:nvPr>
+        </p:nvPicPr>
+        <p:blipFill>
+          <a:blip r:embed="rId5"/>
+          <a:stretch>
+            <a:fillRect/>
+          </a:stretch>
+        </p:blipFill>
+        <p:spPr>
+          <a:xfrm>
+            <a:off x="7879321" y="4137001"/>
+            <a:ext cx="609600" cy="609600"/>
+          </a:xfrm>
+          <a:prstGeom prst="rect">
+            <a:avLst/>
+          </a:prstGeom>
+        </p:spPr>
+      </p:pic>
     </p:spTree>
   </p:cSld>
   <p:clrMapOvr>
     <a:masterClrMapping/>
   </p:clrMapOvr>
+  <p:timing>
+    <p:tnLst>
+      <p:par>
+        <p:cTn id="1" dur="indefinite" restart="never" nodeType="tmRoot">
+          <p:childTnLst>
+            <p:seq concurrent="1" nextAc="seek">
+              <p:cTn id="2" dur="indefinite" nodeType="mainSeq">
+                <p:childTnLst>
+                  <p:par>
+                    <p:cTn id="3" fill="hold">
+                      <p:stCondLst>
+                        <p:cond delay="indefinite"/>
+                      </p:stCondLst>
+                      <p:childTnLst>
+                        <p:par>
+                          <p:cTn id="4" fill="hold">
+                            <p:stCondLst>
+                              <p:cond delay="0"/>
+                            </p:stCondLst>
+                            <p:childTnLst>
+                              <p:par>
+                                <p:cTn id="5" presetID="1" presetClass="mediacall" presetSubtype="0" fill="hold" nodeType="clickEffect">
+                                  <p:stCondLst>
+                                    <p:cond delay="0"/>
+                                  </p:stCondLst>
+                                  <p:childTnLst>
+                                    <p:cmd type="call" cmd="playFrom(0.0)">
+                                      <p:cBhvr>
+                                        <p:cTn id="6" dur="11330" fill="hold"/>
+                                        <p:tgtEl>
+                                          <p:spTgt spid="11"/>
+                                        </p:tgtEl>
+                                      </p:cBhvr>
+                                    </p:cmd>
+                                  </p:childTnLst>
+                                </p:cTn>
+                              </p:par>
+                            </p:childTnLst>
+                          </p:cTn>
+                        </p:par>
+                      </p:childTnLst>
+                    </p:cTn>
+                  </p:par>
+                </p:childTnLst>
+              </p:cTn>
+              <p:prevCondLst>
+                <p:cond evt="onPrev" delay="0">
+                  <p:tgtEl>
+                    <p:sldTgt/>
+                  </p:tgtEl>
+                </p:cond>
+              </p:prevCondLst>
+              <p:nextCondLst>
+                <p:cond evt="onNext" delay="0">
+                  <p:tgtEl>
+                    <p:sldTgt/>
+                  </p:tgtEl>
+                </p:cond>
+              </p:nextCondLst>
+            </p:seq>
+            <p:audio>
+              <p:cMediaNode vol="80000">
+                <p:cTn id="7" fill="hold" display="0">
+                  <p:stCondLst>
+                    <p:cond delay="indefinite"/>
+                  </p:stCondLst>
+                  <p:endCondLst>
+                    <p:cond evt="onStopAudio" delay="0">
+                      <p:tgtEl>
+                        <p:sldTgt/>
+                      </p:tgtEl>
+                    </p:cond>
+                  </p:endCondLst>
+                </p:cTn>
+                <p:tgtEl>
+                  <p:spTgt spid="11"/>
+                </p:tgtEl>
+              </p:cMediaNode>
+            </p:audio>
+          </p:childTnLst>
+        </p:cTn>
+      </p:par>
+    </p:tnLst>
+  </p:timing>
 </p:sld>
 </file>
 
@@ -5356,7 +5600,7 @@
           <p:nvPr/>
         </p:nvPicPr>
         <p:blipFill>
-          <a:blip r:embed="rId2"/>
+          <a:blip r:embed="rId4"/>
           <a:stretch>
             <a:fillRect/>
           </a:stretch>
@@ -5365,6 +5609,44 @@
           <a:xfrm>
             <a:off x="3045715" y="1757040"/>
             <a:ext cx="3052570" cy="2959331"/>
+          </a:xfrm>
+          <a:prstGeom prst="rect">
+            <a:avLst/>
+          </a:prstGeom>
+        </p:spPr>
+      </p:pic>
+      <p:pic>
+        <p:nvPicPr>
+          <p:cNvPr id="3" name="slide_3">
+            <a:hlinkClick r:id="" action="ppaction://media"/>
+            <a:extLst>
+              <a:ext uri="{FF2B5EF4-FFF2-40B4-BE49-F238E27FC236}">
+                <a16:creationId xmlns:a16="http://schemas.microsoft.com/office/drawing/2014/main" id="{CA21A307-1798-4C63-A17D-93227972F56C}"/>
+              </a:ext>
+            </a:extLst>
+          </p:cNvPr>
+          <p:cNvPicPr>
+            <a:picLocks noChangeAspect="1"/>
+          </p:cNvPicPr>
+          <p:nvPr>
+            <a:audioFile r:link="rId2"/>
+            <p:extLst>
+              <p:ext uri="{DAA4B4D4-6D71-4841-9C94-3DE7FCFB9230}">
+                <p14:media xmlns:p14="http://schemas.microsoft.com/office/powerpoint/2010/main" r:embed="rId1"/>
+              </p:ext>
+            </p:extLst>
+          </p:nvPr>
+        </p:nvPicPr>
+        <p:blipFill>
+          <a:blip r:embed="rId5"/>
+          <a:stretch>
+            <a:fillRect/>
+          </a:stretch>
+        </p:blipFill>
+        <p:spPr>
+          <a:xfrm>
+            <a:off x="8027927" y="4192002"/>
+            <a:ext cx="609600" cy="609600"/>
           </a:xfrm>
           <a:prstGeom prst="rect">
             <a:avLst/>
@@ -5381,6 +5663,90 @@
   <p:clrMapOvr>
     <a:masterClrMapping/>
   </p:clrMapOvr>
+  <p:timing>
+    <p:tnLst>
+      <p:par>
+        <p:cTn id="1" dur="indefinite" restart="never" nodeType="tmRoot">
+          <p:childTnLst>
+            <p:seq concurrent="1" nextAc="seek">
+              <p:cTn id="2" dur="indefinite" nodeType="mainSeq">
+                <p:childTnLst>
+                  <p:par>
+                    <p:cTn id="3" fill="hold">
+                      <p:stCondLst>
+                        <p:cond delay="indefinite"/>
+                      </p:stCondLst>
+                      <p:childTnLst>
+                        <p:par>
+                          <p:cTn id="4" fill="hold">
+                            <p:stCondLst>
+                              <p:cond delay="0"/>
+                            </p:stCondLst>
+                            <p:childTnLst>
+                              <p:par>
+                                <p:cTn id="5" presetID="1" presetClass="mediacall" presetSubtype="0" fill="hold" nodeType="clickEffect">
+                                  <p:stCondLst>
+                                    <p:cond delay="0"/>
+                                  </p:stCondLst>
+                                  <p:childTnLst>
+                                    <p:cmd type="call" cmd="playFrom(0.0)">
+                                      <p:cBhvr>
+                                        <p:cTn id="6" dur="18320" fill="hold"/>
+                                        <p:tgtEl>
+                                          <p:spTgt spid="3"/>
+                                        </p:tgtEl>
+                                      </p:cBhvr>
+                                    </p:cmd>
+                                  </p:childTnLst>
+                                </p:cTn>
+                              </p:par>
+                            </p:childTnLst>
+                          </p:cTn>
+                        </p:par>
+                      </p:childTnLst>
+                    </p:cTn>
+                  </p:par>
+                </p:childTnLst>
+              </p:cTn>
+              <p:prevCondLst>
+                <p:cond evt="onPrev" delay="0">
+                  <p:tgtEl>
+                    <p:sldTgt/>
+                  </p:tgtEl>
+                </p:cond>
+              </p:prevCondLst>
+              <p:nextCondLst>
+                <p:cond evt="onNext" delay="0">
+                  <p:tgtEl>
+                    <p:sldTgt/>
+                  </p:tgtEl>
+                </p:cond>
+              </p:nextCondLst>
+            </p:seq>
+            <p:audio>
+              <p:cMediaNode vol="31818">
+                <p:cTn id="7" fill="hold" display="0">
+                  <p:stCondLst>
+                    <p:cond delay="indefinite"/>
+                  </p:stCondLst>
+                  <p:endCondLst>
+                    <p:cond evt="onStopAudio" delay="0">
+                      <p:tgtEl>
+                        <p:sldTgt/>
+                      </p:tgtEl>
+                    </p:cond>
+                  </p:endCondLst>
+                </p:cTn>
+                <p:tgtEl>
+                  <p:spTgt spid="3"/>
+                </p:tgtEl>
+              </p:cMediaNode>
+            </p:audio>
+          </p:childTnLst>
+        </p:cTn>
+      </p:par>
+    </p:tnLst>
+  </p:timing>
 </p:sld>
 </file>
 
@@ -6456,11 +6822,133 @@
           </p:txBody>
         </p:sp>
       </p:grpSp>
+      <p:pic>
+        <p:nvPicPr>
+          <p:cNvPr id="2" name="slide_4">
+            <a:hlinkClick r:id="" action="ppaction://media"/>
+            <a:extLst>
+              <a:ext uri="{FF2B5EF4-FFF2-40B4-BE49-F238E27FC236}">
+                <a16:creationId xmlns:a16="http://schemas.microsoft.com/office/drawing/2014/main" id="{590ACB32-2577-4DB8-830E-BA162498816D}"/>
+              </a:ext>
+            </a:extLst>
+          </p:cNvPr>
+          <p:cNvPicPr>
+            <a:picLocks noChangeAspect="1"/>
+          </p:cNvPicPr>
+          <p:nvPr>
+            <a:audioFile r:link="rId2"/>
+            <p:extLst>
+              <p:ext uri="{DAA4B4D4-6D71-4841-9C94-3DE7FCFB9230}">
+                <p14:media xmlns:p14="http://schemas.microsoft.com/office/powerpoint/2010/main" r:embed="rId1"/>
+              </p:ext>
+            </p:extLst>
+          </p:nvPr>
+        </p:nvPicPr>
+        <p:blipFill>
+          <a:blip r:embed="rId5"/>
+          <a:stretch>
+            <a:fillRect/>
+          </a:stretch>
+        </p:blipFill>
+        <p:spPr>
+          <a:xfrm>
+            <a:off x="8017135" y="4332400"/>
+            <a:ext cx="609600" cy="609600"/>
+          </a:xfrm>
+          <a:prstGeom prst="rect">
+            <a:avLst/>
+          </a:prstGeom>
+        </p:spPr>
+      </p:pic>
     </p:spTree>
   </p:cSld>
   <p:clrMapOvr>
     <a:masterClrMapping/>
   </p:clrMapOvr>
+  <p:timing>
+    <p:tnLst>
+      <p:par>
+        <p:cTn id="1" dur="indefinite" restart="never" nodeType="tmRoot">
+          <p:childTnLst>
+            <p:seq concurrent="1" nextAc="seek">
+              <p:cTn id="2" dur="indefinite" nodeType="mainSeq">
+                <p:childTnLst>
+                  <p:par>
+                    <p:cTn id="3" fill="hold">
+                      <p:stCondLst>
+                        <p:cond delay="indefinite"/>
+                      </p:stCondLst>
+                      <p:childTnLst>
+                        <p:par>
+                          <p:cTn id="4" fill="hold">
+                            <p:stCondLst>
+                              <p:cond delay="0"/>
+                            </p:stCondLst>
+                            <p:childTnLst>
+                              <p:par>
+                                <p:cTn id="5" presetID="1" presetClass="mediacall" presetSubtype="0" fill="hold" nodeType="clickEffect">
+                                  <p:stCondLst>
+                                    <p:cond delay="0"/>
+                                  </p:stCondLst>
+                                  <p:childTnLst>
+                                    <p:cmd type="call" cmd="playFrom(0.0)">
+                                      <p:cBhvr>
+                                        <p:cTn id="6" dur="60812" fill="hold"/>
+                                        <p:tgtEl>
+                                          <p:spTgt spid="2"/>
+                                        </p:tgtEl>
+                                      </p:cBhvr>
+                                    </p:cmd>
+                                  </p:childTnLst>
+                                </p:cTn>
+                              </p:par>
+                            </p:childTnLst>
+                          </p:cTn>
+                        </p:par>
+                      </p:childTnLst>
+                    </p:cTn>
+                  </p:par>
+                </p:childTnLst>
+              </p:cTn>
+              <p:prevCondLst>
+                <p:cond evt="onPrev" delay="0">
+                  <p:tgtEl>
+                    <p:sldTgt/>
+                  </p:tgtEl>
+                </p:cond>
+              </p:prevCondLst>
+              <p:nextCondLst>
+                <p:cond evt="onNext" delay="0">
+                  <p:tgtEl>
+                    <p:sldTgt/>
+                  </p:tgtEl>
+                </p:cond>
+              </p:nextCondLst>
+            </p:seq>
+            <p:audio>
+              <p:cMediaNode vol="22727">
+                <p:cTn id="7" fill="hold" display="0">
+                  <p:stCondLst>
+                    <p:cond delay="indefinite"/>
+                  </p:stCondLst>
+                  <p:endCondLst>
+                    <p:cond evt="onStopAudio" delay="0">
+                      <p:tgtEl>
+                        <p:sldTgt/>
+                      </p:tgtEl>
+                    </p:cond>
+                  </p:endCondLst>
+                </p:cTn>
+                <p:tgtEl>
+                  <p:spTgt spid="2"/>
+                </p:tgtEl>
+              </p:cMediaNode>
+            </p:audio>
+          </p:childTnLst>
+        </p:cTn>
+      </p:par>
+    </p:tnLst>
+  </p:timing>
 </p:sld>
 </file>
 
@@ -6524,7 +7012,7 @@
           <p:nvPr/>
         </p:nvPicPr>
         <p:blipFill>
-          <a:blip r:embed="rId2">
+          <a:blip r:embed="rId4">
             <a:extLst>
               <a:ext uri="{28A0092B-C50C-407E-A947-70E740481C1C}">
                 <a14:useLocalDpi xmlns:a14="http://schemas.microsoft.com/office/drawing/2010/main" val="0"/>
@@ -6571,7 +7059,7 @@
           <p:nvPr/>
         </p:nvPicPr>
         <p:blipFill>
-          <a:blip r:embed="rId3"/>
+          <a:blip r:embed="rId5"/>
           <a:stretch>
             <a:fillRect/>
           </a:stretch>
@@ -6601,7 +7089,7 @@
           <p:nvPr/>
         </p:nvPicPr>
         <p:blipFill>
-          <a:blip r:embed="rId4"/>
+          <a:blip r:embed="rId6"/>
           <a:stretch>
             <a:fillRect/>
           </a:stretch>
@@ -6631,7 +7119,7 @@
           <p:nvPr/>
         </p:nvPicPr>
         <p:blipFill>
-          <a:blip r:embed="rId5"/>
+          <a:blip r:embed="rId7"/>
           <a:stretch>
             <a:fillRect/>
           </a:stretch>
@@ -6661,7 +7149,7 @@
           <p:nvPr/>
         </p:nvPicPr>
         <p:blipFill>
-          <a:blip r:embed="rId6"/>
+          <a:blip r:embed="rId8"/>
           <a:stretch>
             <a:fillRect/>
           </a:stretch>
@@ -6691,7 +7179,7 @@
           <p:nvPr/>
         </p:nvPicPr>
         <p:blipFill>
-          <a:blip r:embed="rId7"/>
+          <a:blip r:embed="rId9"/>
           <a:stretch>
             <a:fillRect/>
           </a:stretch>
@@ -6721,7 +7209,7 @@
           <p:nvPr/>
         </p:nvPicPr>
         <p:blipFill>
-          <a:blip r:embed="rId8"/>
+          <a:blip r:embed="rId10"/>
           <a:stretch>
             <a:fillRect/>
           </a:stretch>
@@ -6730,6 +7218,44 @@
           <a:xfrm>
             <a:off x="3653458" y="1477803"/>
             <a:ext cx="1465605" cy="1363152"/>
+          </a:xfrm>
+          <a:prstGeom prst="rect">
+            <a:avLst/>
+          </a:prstGeom>
+        </p:spPr>
+      </p:pic>
+      <p:pic>
+        <p:nvPicPr>
+          <p:cNvPr id="4" name="Recording">
+            <a:hlinkClick r:id="" action="ppaction://media"/>
+            <a:extLst>
+              <a:ext uri="{FF2B5EF4-FFF2-40B4-BE49-F238E27FC236}">
+                <a16:creationId xmlns:a16="http://schemas.microsoft.com/office/drawing/2014/main" id="{6E413E6C-9C0E-45E5-B1CD-8AD4D77A1575}"/>
+              </a:ext>
+            </a:extLst>
+          </p:cNvPr>
+          <p:cNvPicPr>
+            <a:picLocks noChangeAspect="1"/>
+          </p:cNvPicPr>
+          <p:nvPr>
+            <a:audioFile r:link="rId2"/>
+            <p:extLst>
+              <p:ext uri="{DAA4B4D4-6D71-4841-9C94-3DE7FCFB9230}">
+                <p14:media xmlns:p14="http://schemas.microsoft.com/office/powerpoint/2010/main" r:embed="rId1"/>
+              </p:ext>
+            </p:extLst>
+          </p:nvPr>
+        </p:nvPicPr>
+        <p:blipFill>
+          <a:blip r:embed="rId11"/>
+          <a:stretch>
+            <a:fillRect/>
+          </a:stretch>
+        </p:blipFill>
+        <p:spPr>
+          <a:xfrm>
+            <a:off x="7975343" y="4347273"/>
+            <a:ext cx="609600" cy="609600"/>
           </a:xfrm>
           <a:prstGeom prst="rect">
             <a:avLst/>
@@ -6746,6 +7272,90 @@
   <p:clrMapOvr>
     <a:masterClrMapping/>
   </p:clrMapOvr>
+  <p:timing>
+    <p:tnLst>
+      <p:par>
+        <p:cTn id="1" dur="indefinite" restart="never" nodeType="tmRoot">
+          <p:childTnLst>
+            <p:seq concurrent="1" nextAc="seek">
+              <p:cTn id="2" dur="indefinite" nodeType="mainSeq">
+                <p:childTnLst>
+                  <p:par>
+                    <p:cTn id="3" fill="hold">
+                      <p:stCondLst>
+                        <p:cond delay="indefinite"/>
+                      </p:stCondLst>
+                      <p:childTnLst>
+                        <p:par>
+                          <p:cTn id="4" fill="hold">
+                            <p:stCondLst>
+                              <p:cond delay="0"/>
+                            </p:stCondLst>
+                            <p:childTnLst>
+                              <p:par>
+                                <p:cTn id="5" presetID="1" presetClass="mediacall" presetSubtype="0" fill="hold" nodeType="clickEffect">
+                                  <p:stCondLst>
+                                    <p:cond delay="0"/>
+                                  </p:stCondLst>
+                                  <p:childTnLst>
+                                    <p:cmd type="call" cmd="playFrom(0.0)">
+                                      <p:cBhvr>
+                                        <p:cTn id="6" dur="16184" fill="hold"/>
+                                        <p:tgtEl>
+                                          <p:spTgt spid="4"/>
+                                        </p:tgtEl>
+                                      </p:cBhvr>
+                                    </p:cmd>
+                                  </p:childTnLst>
+                                </p:cTn>
+                              </p:par>
+                            </p:childTnLst>
+                          </p:cTn>
+                        </p:par>
+                      </p:childTnLst>
+                    </p:cTn>
+                  </p:par>
+                </p:childTnLst>
+              </p:cTn>
+              <p:prevCondLst>
+                <p:cond evt="onPrev" delay="0">
+                  <p:tgtEl>
+                    <p:sldTgt/>
+                  </p:tgtEl>
+                </p:cond>
+              </p:prevCondLst>
+              <p:nextCondLst>
+                <p:cond evt="onNext" delay="0">
+                  <p:tgtEl>
+                    <p:sldTgt/>
+                  </p:tgtEl>
+                </p:cond>
+              </p:nextCondLst>
+            </p:seq>
+            <p:audio>
+              <p:cMediaNode vol="40909">
+                <p:cTn id="7" fill="hold" display="0">
+                  <p:stCondLst>
+                    <p:cond delay="indefinite"/>
+                  </p:stCondLst>
+                  <p:endCondLst>
+                    <p:cond evt="onStopAudio" delay="0">
+                      <p:tgtEl>
+                        <p:sldTgt/>
+                      </p:tgtEl>
+                    </p:cond>
+                  </p:endCondLst>
+                </p:cTn>
+                <p:tgtEl>
+                  <p:spTgt spid="4"/>
+                </p:tgtEl>
+              </p:cMediaNode>
+            </p:audio>
+          </p:childTnLst>
+        </p:cTn>
+      </p:par>
+    </p:tnLst>
+  </p:timing>
 </p:sld>
 </file>
 
@@ -6799,6 +7409,44 @@
           </a:p>
         </p:txBody>
       </p:sp>
+      <p:pic>
+        <p:nvPicPr>
+          <p:cNvPr id="3" name="Recording (6)">
+            <a:hlinkClick r:id="" action="ppaction://media"/>
+            <a:extLst>
+              <a:ext uri="{FF2B5EF4-FFF2-40B4-BE49-F238E27FC236}">
+                <a16:creationId xmlns:a16="http://schemas.microsoft.com/office/drawing/2014/main" id="{278590FE-6EFA-47CC-91C3-E062582278A3}"/>
+              </a:ext>
+            </a:extLst>
+          </p:cNvPr>
+          <p:cNvPicPr>
+            <a:picLocks noChangeAspect="1"/>
+          </p:cNvPicPr>
+          <p:nvPr>
+            <a:audioFile r:link="rId2"/>
+            <p:extLst>
+              <p:ext uri="{DAA4B4D4-6D71-4841-9C94-3DE7FCFB9230}">
+                <p14:media xmlns:p14="http://schemas.microsoft.com/office/powerpoint/2010/main" r:embed="rId1"/>
+              </p:ext>
+            </p:extLst>
+          </p:nvPr>
+        </p:nvPicPr>
+        <p:blipFill>
+          <a:blip r:embed="rId4"/>
+          <a:stretch>
+            <a:fillRect/>
+          </a:stretch>
+        </p:blipFill>
+        <p:spPr>
+          <a:xfrm>
+            <a:off x="7532914" y="4212629"/>
+            <a:ext cx="609600" cy="609600"/>
+          </a:xfrm>
+          <a:prstGeom prst="rect">
+            <a:avLst/>
+          </a:prstGeom>
+        </p:spPr>
+      </p:pic>
     </p:spTree>
     <p:extLst>
       <p:ext uri="{BB962C8B-B14F-4D97-AF65-F5344CB8AC3E}">
@@ -6809,6 +7457,90 @@
   <p:clrMapOvr>
     <a:masterClrMapping/>
   </p:clrMapOvr>
+  <p:timing>
+    <p:tnLst>
+      <p:par>
+        <p:cTn id="1" dur="indefinite" restart="never" nodeType="tmRoot">
+          <p:childTnLst>
+            <p:seq concurrent="1" nextAc="seek">
+              <p:cTn id="2" dur="indefinite" nodeType="mainSeq">
+                <p:childTnLst>
+                  <p:par>
+                    <p:cTn id="3" fill="hold">
+                      <p:stCondLst>
+                        <p:cond delay="indefinite"/>
+                      </p:stCondLst>
+                      <p:childTnLst>
+                        <p:par>
+                          <p:cTn id="4" fill="hold">
+                            <p:stCondLst>
+                              <p:cond delay="0"/>
+                            </p:stCondLst>
+                            <p:childTnLst>
+                              <p:par>
+                                <p:cTn id="5" presetID="1" presetClass="mediacall" presetSubtype="0" fill="hold" nodeType="clickEffect">
+                                  <p:stCondLst>
+                                    <p:cond delay="0"/>
+                                  </p:stCondLst>
+                                  <p:childTnLst>
+                                    <p:cmd type="call" cmd="playFrom(0.0)">
+                                      <p:cBhvr>
+                                        <p:cTn id="6" dur="3136" fill="hold"/>
+                                        <p:tgtEl>
+                                          <p:spTgt spid="3"/>
+                                        </p:tgtEl>
+                                      </p:cBhvr>
+                                    </p:cmd>
+                                  </p:childTnLst>
+                                </p:cTn>
+                              </p:par>
+                            </p:childTnLst>
+                          </p:cTn>
+                        </p:par>
+                      </p:childTnLst>
+                    </p:cTn>
+                  </p:par>
+                </p:childTnLst>
+              </p:cTn>
+              <p:prevCondLst>
+                <p:cond evt="onPrev" delay="0">
+                  <p:tgtEl>
+                    <p:sldTgt/>
+                  </p:tgtEl>
+                </p:cond>
+              </p:prevCondLst>
+              <p:nextCondLst>
+                <p:cond evt="onNext" delay="0">
+                  <p:tgtEl>
+                    <p:sldTgt/>
+                  </p:tgtEl>
+                </p:cond>
+              </p:nextCondLst>
+            </p:seq>
+            <p:audio>
+              <p:cMediaNode vol="80000">
+                <p:cTn id="7" fill="hold" display="0">
+                  <p:stCondLst>
+                    <p:cond delay="indefinite"/>
+                  </p:stCondLst>
+                  <p:endCondLst>
+                    <p:cond evt="onStopAudio" delay="0">
+                      <p:tgtEl>
+                        <p:sldTgt/>
+                      </p:tgtEl>
+                    </p:cond>
+                  </p:endCondLst>
+                </p:cTn>
+                <p:tgtEl>
+                  <p:spTgt spid="3"/>
+                </p:tgtEl>
+              </p:cMediaNode>
+            </p:audio>
+          </p:childTnLst>
+        </p:cTn>
+      </p:par>
+    </p:tnLst>
+  </p:timing>
 </p:sld>
 </file>
 
